--- a/AS91903_91906_Evidence_Template.pptx
+++ b/AS91903_91906_Evidence_Template.pptx
@@ -20,26 +20,25 @@
     <p:sldId id="289" r:id="rId14"/>
     <p:sldId id="264" r:id="rId15"/>
     <p:sldId id="284" r:id="rId16"/>
-    <p:sldId id="285" r:id="rId17"/>
-    <p:sldId id="271" r:id="rId18"/>
-    <p:sldId id="273" r:id="rId19"/>
-    <p:sldId id="291" r:id="rId20"/>
-    <p:sldId id="292" r:id="rId21"/>
-    <p:sldId id="293" r:id="rId22"/>
-    <p:sldId id="294" r:id="rId23"/>
-    <p:sldId id="295" r:id="rId24"/>
-    <p:sldId id="296" r:id="rId25"/>
-    <p:sldId id="297" r:id="rId26"/>
-    <p:sldId id="298" r:id="rId27"/>
-    <p:sldId id="300" r:id="rId28"/>
-    <p:sldId id="299" r:id="rId29"/>
-    <p:sldId id="274" r:id="rId30"/>
-    <p:sldId id="266" r:id="rId31"/>
-    <p:sldId id="275" r:id="rId32"/>
-    <p:sldId id="283" r:id="rId33"/>
-    <p:sldId id="265" r:id="rId34"/>
-    <p:sldId id="269" r:id="rId35"/>
-    <p:sldId id="276" r:id="rId36"/>
+    <p:sldId id="271" r:id="rId17"/>
+    <p:sldId id="273" r:id="rId18"/>
+    <p:sldId id="291" r:id="rId19"/>
+    <p:sldId id="292" r:id="rId20"/>
+    <p:sldId id="293" r:id="rId21"/>
+    <p:sldId id="294" r:id="rId22"/>
+    <p:sldId id="295" r:id="rId23"/>
+    <p:sldId id="296" r:id="rId24"/>
+    <p:sldId id="297" r:id="rId25"/>
+    <p:sldId id="298" r:id="rId26"/>
+    <p:sldId id="300" r:id="rId27"/>
+    <p:sldId id="299" r:id="rId28"/>
+    <p:sldId id="274" r:id="rId29"/>
+    <p:sldId id="266" r:id="rId30"/>
+    <p:sldId id="275" r:id="rId31"/>
+    <p:sldId id="283" r:id="rId32"/>
+    <p:sldId id="265" r:id="rId33"/>
+    <p:sldId id="269" r:id="rId34"/>
+    <p:sldId id="276" r:id="rId35"/>
   </p:sldIdLst>
   <p:sldSz cx="12192000" cy="6858000"/>
   <p:notesSz cx="6858000" cy="9144000"/>
@@ -372,7 +371,7 @@
           <a:p>
             <a:fld id="{57E58380-3550-4AA1-8DE5-F8A856B30F15}" type="datetimeFigureOut">
               <a:rPr lang="en-NZ" smtClean="0"/>
-              <a:t>28/07/2025</a:t>
+              <a:t>3/08/25</a:t>
             </a:fld>
             <a:endParaRPr lang="en-NZ"/>
           </a:p>
@@ -580,7 +579,7 @@
           <a:p>
             <a:fld id="{57E58380-3550-4AA1-8DE5-F8A856B30F15}" type="datetimeFigureOut">
               <a:rPr lang="en-NZ" smtClean="0"/>
-              <a:t>28/07/2025</a:t>
+              <a:t>3/08/25</a:t>
             </a:fld>
             <a:endParaRPr lang="en-NZ"/>
           </a:p>
@@ -836,7 +835,7 @@
           <a:p>
             <a:fld id="{57E58380-3550-4AA1-8DE5-F8A856B30F15}" type="datetimeFigureOut">
               <a:rPr lang="en-NZ" smtClean="0"/>
-              <a:t>28/07/2025</a:t>
+              <a:t>3/08/25</a:t>
             </a:fld>
             <a:endParaRPr lang="en-NZ"/>
           </a:p>
@@ -1010,7 +1009,7 @@
           <a:p>
             <a:fld id="{57E58380-3550-4AA1-8DE5-F8A856B30F15}" type="datetimeFigureOut">
               <a:rPr lang="en-NZ" smtClean="0"/>
-              <a:t>28/07/2025</a:t>
+              <a:t>3/08/25</a:t>
             </a:fld>
             <a:endParaRPr lang="en-NZ"/>
           </a:p>
@@ -1353,7 +1352,7 @@
           <a:p>
             <a:fld id="{57E58380-3550-4AA1-8DE5-F8A856B30F15}" type="datetimeFigureOut">
               <a:rPr lang="en-NZ" smtClean="0"/>
-              <a:t>28/07/2025</a:t>
+              <a:t>3/08/25</a:t>
             </a:fld>
             <a:endParaRPr lang="en-NZ"/>
           </a:p>
@@ -1628,7 +1627,7 @@
           <a:p>
             <a:fld id="{57E58380-3550-4AA1-8DE5-F8A856B30F15}" type="datetimeFigureOut">
               <a:rPr lang="en-NZ" smtClean="0"/>
-              <a:t>28/07/2025</a:t>
+              <a:t>3/08/25</a:t>
             </a:fld>
             <a:endParaRPr lang="en-NZ"/>
           </a:p>
@@ -2007,7 +2006,7 @@
           <a:p>
             <a:fld id="{57E58380-3550-4AA1-8DE5-F8A856B30F15}" type="datetimeFigureOut">
               <a:rPr lang="en-NZ" smtClean="0"/>
-              <a:t>28/07/2025</a:t>
+              <a:t>3/08/25</a:t>
             </a:fld>
             <a:endParaRPr lang="en-NZ"/>
           </a:p>
@@ -2125,7 +2124,7 @@
           <a:p>
             <a:fld id="{57E58380-3550-4AA1-8DE5-F8A856B30F15}" type="datetimeFigureOut">
               <a:rPr lang="en-NZ" smtClean="0"/>
-              <a:t>28/07/2025</a:t>
+              <a:t>3/08/25</a:t>
             </a:fld>
             <a:endParaRPr lang="en-NZ"/>
           </a:p>
@@ -2296,7 +2295,7 @@
           <a:p>
             <a:fld id="{57E58380-3550-4AA1-8DE5-F8A856B30F15}" type="datetimeFigureOut">
               <a:rPr lang="en-NZ" smtClean="0"/>
-              <a:t>28/07/2025</a:t>
+              <a:t>3/08/25</a:t>
             </a:fld>
             <a:endParaRPr lang="en-NZ"/>
           </a:p>
@@ -2650,7 +2649,7 @@
           <a:p>
             <a:fld id="{57E58380-3550-4AA1-8DE5-F8A856B30F15}" type="datetimeFigureOut">
               <a:rPr lang="en-NZ" smtClean="0"/>
-              <a:t>28/07/2025</a:t>
+              <a:t>3/08/25</a:t>
             </a:fld>
             <a:endParaRPr lang="en-NZ"/>
           </a:p>
@@ -3032,7 +3031,7 @@
           <a:p>
             <a:fld id="{57E58380-3550-4AA1-8DE5-F8A856B30F15}" type="datetimeFigureOut">
               <a:rPr lang="en-NZ" smtClean="0"/>
-              <a:t>28/07/2025</a:t>
+              <a:t>3/08/25</a:t>
             </a:fld>
             <a:endParaRPr lang="en-NZ"/>
           </a:p>
@@ -3319,7 +3318,7 @@
           <a:p>
             <a:fld id="{57E58380-3550-4AA1-8DE5-F8A856B30F15}" type="datetimeFigureOut">
               <a:rPr lang="en-NZ" smtClean="0"/>
-              <a:t>28/07/2025</a:t>
+              <a:t>3/08/25</a:t>
             </a:fld>
             <a:endParaRPr lang="en-NZ"/>
           </a:p>
@@ -4984,98 +4983,6 @@
       </p:grpSpPr>
       <p:sp>
         <p:nvSpPr>
-          <p:cNvPr id="2" name="Title 1">
-            <a:extLst>
-              <a:ext uri="{FF2B5EF4-FFF2-40B4-BE49-F238E27FC236}">
-                <a16:creationId xmlns:a16="http://schemas.microsoft.com/office/drawing/2014/main" id="{EBE8F3B4-CC3D-4466-40E2-5BC28DD8DF66}"/>
-              </a:ext>
-            </a:extLst>
-          </p:cNvPr>
-          <p:cNvSpPr>
-            <a:spLocks noGrp="1"/>
-          </p:cNvSpPr>
-          <p:nvPr>
-            <p:ph type="title"/>
-          </p:nvPr>
-        </p:nvSpPr>
-        <p:spPr/>
-        <p:txBody>
-          <a:bodyPr/>
-          <a:lstStyle/>
-          <a:p>
-            <a:r>
-              <a:rPr lang="en-NZ" dirty="0"/>
-              <a:t>Design Drawings</a:t>
-            </a:r>
-          </a:p>
-        </p:txBody>
-      </p:sp>
-      <p:sp>
-        <p:nvSpPr>
-          <p:cNvPr id="3" name="Content Placeholder 2">
-            <a:extLst>
-              <a:ext uri="{FF2B5EF4-FFF2-40B4-BE49-F238E27FC236}">
-                <a16:creationId xmlns:a16="http://schemas.microsoft.com/office/drawing/2014/main" id="{5B68399D-040E-72E1-5BE1-82559BC616F7}"/>
-              </a:ext>
-            </a:extLst>
-          </p:cNvPr>
-          <p:cNvSpPr>
-            <a:spLocks noGrp="1"/>
-          </p:cNvSpPr>
-          <p:nvPr>
-            <p:ph idx="1"/>
-          </p:nvPr>
-        </p:nvSpPr>
-        <p:spPr/>
-        <p:txBody>
-          <a:bodyPr/>
-          <a:lstStyle/>
-          <a:p>
-            <a:r>
-              <a:rPr lang="en-NZ" dirty="0"/>
-              <a:t>Site Map</a:t>
-            </a:r>
-          </a:p>
-          <a:p>
-            <a:r>
-              <a:rPr lang="en-NZ" dirty="0"/>
-              <a:t>Since client has requested to do design themselves, I will have to be skipping this</a:t>
-            </a:r>
-          </a:p>
-        </p:txBody>
-      </p:sp>
-    </p:spTree>
-    <p:extLst>
-      <p:ext uri="{BB962C8B-B14F-4D97-AF65-F5344CB8AC3E}">
-        <p14:creationId xmlns:p14="http://schemas.microsoft.com/office/powerpoint/2010/main" val="2068048871"/>
-      </p:ext>
-    </p:extLst>
-  </p:cSld>
-  <p:clrMapOvr>
-    <a:masterClrMapping/>
-  </p:clrMapOvr>
-</p:sld>
-</file>
-
-<file path=ppt/slides/slide17.xml><?xml version="1.0" encoding="utf-8"?>
-<p:sld xmlns:a="http://schemas.openxmlformats.org/drawingml/2006/main" xmlns:r="http://schemas.openxmlformats.org/officeDocument/2006/relationships" xmlns:p="http://schemas.openxmlformats.org/presentationml/2006/main">
-  <p:cSld>
-    <p:spTree>
-      <p:nvGrpSpPr>
-        <p:cNvPr id="1" name=""/>
-        <p:cNvGrpSpPr/>
-        <p:nvPr/>
-      </p:nvGrpSpPr>
-      <p:grpSpPr>
-        <a:xfrm>
-          <a:off x="0" y="0"/>
-          <a:ext cx="0" cy="0"/>
-          <a:chOff x="0" y="0"/>
-          <a:chExt cx="0" cy="0"/>
-        </a:xfrm>
-      </p:grpSpPr>
-      <p:sp>
-        <p:nvSpPr>
           <p:cNvPr id="2" name="Title 1"/>
           <p:cNvSpPr>
             <a:spLocks noGrp="1"/>
@@ -5212,7 +5119,7 @@
 </p:sld>
 </file>
 
-<file path=ppt/slides/slide18.xml><?xml version="1.0" encoding="utf-8"?>
+<file path=ppt/slides/slide17.xml><?xml version="1.0" encoding="utf-8"?>
 <p:sld xmlns:a="http://schemas.openxmlformats.org/drawingml/2006/main" xmlns:r="http://schemas.openxmlformats.org/officeDocument/2006/relationships" xmlns:p="http://schemas.openxmlformats.org/presentationml/2006/main">
   <p:cSld>
     <p:spTree>
@@ -5762,7 +5669,7 @@
 </p:sld>
 </file>
 
-<file path=ppt/slides/slide19.xml><?xml version="1.0" encoding="utf-8"?>
+<file path=ppt/slides/slide18.xml><?xml version="1.0" encoding="utf-8"?>
 <p:sld xmlns:a="http://schemas.openxmlformats.org/drawingml/2006/main" xmlns:r="http://schemas.openxmlformats.org/officeDocument/2006/relationships" xmlns:p="http://schemas.openxmlformats.org/presentationml/2006/main">
   <p:cSld>
     <p:spTree>
@@ -6330,352 +6237,7 @@
 </p:sld>
 </file>
 
-<file path=ppt/slides/slide2.xml><?xml version="1.0" encoding="utf-8"?>
-<p:sld xmlns:a="http://schemas.openxmlformats.org/drawingml/2006/main" xmlns:r="http://schemas.openxmlformats.org/officeDocument/2006/relationships" xmlns:p="http://schemas.openxmlformats.org/presentationml/2006/main">
-  <p:cSld>
-    <p:spTree>
-      <p:nvGrpSpPr>
-        <p:cNvPr id="1" name=""/>
-        <p:cNvGrpSpPr/>
-        <p:nvPr/>
-      </p:nvGrpSpPr>
-      <p:grpSpPr>
-        <a:xfrm>
-          <a:off x="0" y="0"/>
-          <a:ext cx="0" cy="0"/>
-          <a:chOff x="0" y="0"/>
-          <a:chExt cx="0" cy="0"/>
-        </a:xfrm>
-      </p:grpSpPr>
-      <p:sp>
-        <p:nvSpPr>
-          <p:cNvPr id="2" name="Title 1"/>
-          <p:cNvSpPr>
-            <a:spLocks noGrp="1"/>
-          </p:cNvSpPr>
-          <p:nvPr>
-            <p:ph type="ctrTitle"/>
-          </p:nvPr>
-        </p:nvSpPr>
-        <p:spPr/>
-        <p:txBody>
-          <a:bodyPr>
-            <a:normAutofit fontScale="90000"/>
-          </a:bodyPr>
-          <a:lstStyle/>
-          <a:p>
-            <a:r>
-              <a:rPr lang="en-NZ" dirty="0"/>
-              <a:t>Use complex programming techniques to develop a computer program</a:t>
-            </a:r>
-          </a:p>
-        </p:txBody>
-      </p:sp>
-      <p:sp>
-        <p:nvSpPr>
-          <p:cNvPr id="3" name="Subtitle 2"/>
-          <p:cNvSpPr>
-            <a:spLocks noGrp="1"/>
-          </p:cNvSpPr>
-          <p:nvPr>
-            <p:ph type="subTitle" idx="1"/>
-          </p:nvPr>
-        </p:nvSpPr>
-        <p:spPr/>
-        <p:txBody>
-          <a:bodyPr/>
-          <a:lstStyle/>
-          <a:p>
-            <a:endParaRPr lang="en-NZ" dirty="0"/>
-          </a:p>
-        </p:txBody>
-      </p:sp>
-      <p:graphicFrame>
-        <p:nvGraphicFramePr>
-          <p:cNvPr id="4" name="Table 3">
-            <a:extLst>
-              <a:ext uri="{FF2B5EF4-FFF2-40B4-BE49-F238E27FC236}">
-                <a16:creationId xmlns:a16="http://schemas.microsoft.com/office/drawing/2014/main" id="{57DC309C-123F-4415-8171-CDB21741F551}"/>
-              </a:ext>
-            </a:extLst>
-          </p:cNvPr>
-          <p:cNvGraphicFramePr>
-            <a:graphicFrameLocks noGrp="1"/>
-          </p:cNvGraphicFramePr>
-          <p:nvPr>
-            <p:extLst>
-              <p:ext uri="{D42A27DB-BD31-4B8C-83A1-F6EECF244321}">
-                <p14:modId xmlns:p14="http://schemas.microsoft.com/office/powerpoint/2010/main" val="2158535663"/>
-              </p:ext>
-            </p:extLst>
-          </p:nvPr>
-        </p:nvGraphicFramePr>
-        <p:xfrm>
-          <a:off x="1820411" y="4455620"/>
-          <a:ext cx="7617203" cy="1468073"/>
-        </p:xfrm>
-        <a:graphic>
-          <a:graphicData uri="http://schemas.openxmlformats.org/drawingml/2006/table">
-            <a:tbl>
-              <a:tblPr>
-                <a:tableStyleId>{5C22544A-7EE6-4342-B048-85BDC9FD1C3A}</a:tableStyleId>
-              </a:tblPr>
-              <a:tblGrid>
-                <a:gridCol w="2460594">
-                  <a:extLst>
-                    <a:ext uri="{9D8B030D-6E8A-4147-A177-3AD203B41FA5}">
-                      <a16:colId xmlns:a16="http://schemas.microsoft.com/office/drawing/2014/main" val="1423301778"/>
-                    </a:ext>
-                  </a:extLst>
-                </a:gridCol>
-                <a:gridCol w="2569250">
-                  <a:extLst>
-                    <a:ext uri="{9D8B030D-6E8A-4147-A177-3AD203B41FA5}">
-                      <a16:colId xmlns:a16="http://schemas.microsoft.com/office/drawing/2014/main" val="3308028619"/>
-                    </a:ext>
-                  </a:extLst>
-                </a:gridCol>
-                <a:gridCol w="2587359">
-                  <a:extLst>
-                    <a:ext uri="{9D8B030D-6E8A-4147-A177-3AD203B41FA5}">
-                      <a16:colId xmlns:a16="http://schemas.microsoft.com/office/drawing/2014/main" val="2214946690"/>
-                    </a:ext>
-                  </a:extLst>
-                </a:gridCol>
-              </a:tblGrid>
-              <a:tr h="293614">
-                <a:tc>
-                  <a:txBody>
-                    <a:bodyPr/>
-                    <a:lstStyle/>
-                    <a:p>
-                      <a:pPr>
-                        <a:spcBef>
-                          <a:spcPts val="600"/>
-                        </a:spcBef>
-                        <a:spcAft>
-                          <a:spcPts val="600"/>
-                        </a:spcAft>
-                      </a:pPr>
-                      <a:r>
-                        <a:rPr lang="en-US" sz="1200">
-                          <a:effectLst/>
-                        </a:rPr>
-                        <a:t>Achievement</a:t>
-                      </a:r>
-                      <a:endParaRPr lang="en-NZ" sz="1200">
-                        <a:solidFill>
-                          <a:srgbClr val="000000"/>
-                        </a:solidFill>
-                        <a:effectLst/>
-                        <a:latin typeface="Arial Mäori"/>
-                        <a:ea typeface="Arial Mäori"/>
-                      </a:endParaRPr>
-                    </a:p>
-                  </a:txBody>
-                  <a:tcPr marL="68580" marR="68580" marT="0" marB="0"/>
-                </a:tc>
-                <a:tc>
-                  <a:txBody>
-                    <a:bodyPr/>
-                    <a:lstStyle/>
-                    <a:p>
-                      <a:pPr>
-                        <a:spcBef>
-                          <a:spcPts val="600"/>
-                        </a:spcBef>
-                        <a:spcAft>
-                          <a:spcPts val="600"/>
-                        </a:spcAft>
-                      </a:pPr>
-                      <a:r>
-                        <a:rPr lang="en-US" sz="1200">
-                          <a:effectLst/>
-                        </a:rPr>
-                        <a:t>Achievement with Merit</a:t>
-                      </a:r>
-                      <a:endParaRPr lang="en-NZ" sz="1200">
-                        <a:solidFill>
-                          <a:srgbClr val="000000"/>
-                        </a:solidFill>
-                        <a:effectLst/>
-                        <a:latin typeface="Arial Mäori"/>
-                        <a:ea typeface="Arial Mäori"/>
-                      </a:endParaRPr>
-                    </a:p>
-                  </a:txBody>
-                  <a:tcPr marL="68580" marR="68580" marT="0" marB="0"/>
-                </a:tc>
-                <a:tc>
-                  <a:txBody>
-                    <a:bodyPr/>
-                    <a:lstStyle/>
-                    <a:p>
-                      <a:pPr>
-                        <a:spcBef>
-                          <a:spcPts val="600"/>
-                        </a:spcBef>
-                        <a:spcAft>
-                          <a:spcPts val="600"/>
-                        </a:spcAft>
-                      </a:pPr>
-                      <a:r>
-                        <a:rPr lang="en-US" sz="1200" dirty="0">
-                          <a:effectLst/>
-                        </a:rPr>
-                        <a:t>Achievement with Excellence</a:t>
-                      </a:r>
-                      <a:endParaRPr lang="en-NZ" sz="1200" dirty="0">
-                        <a:solidFill>
-                          <a:srgbClr val="000000"/>
-                        </a:solidFill>
-                        <a:effectLst/>
-                        <a:latin typeface="Arial Mäori"/>
-                        <a:ea typeface="Arial Mäori"/>
-                      </a:endParaRPr>
-                    </a:p>
-                  </a:txBody>
-                  <a:tcPr marL="68580" marR="68580" marT="0" marB="0"/>
-                </a:tc>
-                <a:extLst>
-                  <a:ext uri="{0D108BD9-81ED-4DB2-BD59-A6C34878D82A}">
-                    <a16:rowId xmlns:a16="http://schemas.microsoft.com/office/drawing/2014/main" val="3089653964"/>
-                  </a:ext>
-                </a:extLst>
-              </a:tr>
-              <a:tr h="1174459">
-                <a:tc>
-                  <a:txBody>
-                    <a:bodyPr/>
-                    <a:lstStyle/>
-                    <a:p>
-                      <a:pPr marL="342900" lvl="0" indent="-342900">
-                        <a:spcBef>
-                          <a:spcPts val="600"/>
-                        </a:spcBef>
-                        <a:spcAft>
-                          <a:spcPts val="600"/>
-                        </a:spcAft>
-                        <a:buFont typeface="Symbol" panose="05050102010706020507" pitchFamily="18" charset="2"/>
-                        <a:buChar char=""/>
-                        <a:tabLst>
-                          <a:tab pos="180340" algn="l"/>
-                        </a:tabLst>
-                      </a:pPr>
-                      <a:r>
-                        <a:rPr lang="en-AU" sz="1200">
-                          <a:effectLst/>
-                        </a:rPr>
-                        <a:t>Use complex programming techniques to develop a computer program.</a:t>
-                      </a:r>
-                      <a:endParaRPr lang="en-NZ" sz="1200">
-                        <a:solidFill>
-                          <a:srgbClr val="000000"/>
-                        </a:solidFill>
-                        <a:effectLst/>
-                        <a:latin typeface="Arial Mäori"/>
-                        <a:ea typeface="Arial Mäori"/>
-                      </a:endParaRPr>
-                    </a:p>
-                  </a:txBody>
-                  <a:tcPr marL="68580" marR="68580" marT="0" marB="0"/>
-                </a:tc>
-                <a:tc>
-                  <a:txBody>
-                    <a:bodyPr/>
-                    <a:lstStyle/>
-                    <a:p>
-                      <a:pPr marL="342900" lvl="0" indent="-342900">
-                        <a:spcBef>
-                          <a:spcPts val="600"/>
-                        </a:spcBef>
-                        <a:spcAft>
-                          <a:spcPts val="600"/>
-                        </a:spcAft>
-                        <a:buFont typeface="Symbol" panose="05050102010706020507" pitchFamily="18" charset="2"/>
-                        <a:buChar char=""/>
-                        <a:tabLst>
-                          <a:tab pos="180340" algn="l"/>
-                        </a:tabLst>
-                      </a:pPr>
-                      <a:r>
-                        <a:rPr lang="en-AU" sz="1200" dirty="0">
-                          <a:effectLst/>
-                        </a:rPr>
-                        <a:t>Use complex programming techniques to develop an informed computer program.</a:t>
-                      </a:r>
-                      <a:endParaRPr lang="en-NZ" sz="1200" dirty="0">
-                        <a:solidFill>
-                          <a:srgbClr val="000000"/>
-                        </a:solidFill>
-                        <a:effectLst/>
-                        <a:latin typeface="Arial Mäori"/>
-                        <a:ea typeface="Arial Mäori"/>
-                      </a:endParaRPr>
-                    </a:p>
-                  </a:txBody>
-                  <a:tcPr marL="68580" marR="68580" marT="0" marB="0"/>
-                </a:tc>
-                <a:tc>
-                  <a:txBody>
-                    <a:bodyPr/>
-                    <a:lstStyle/>
-                    <a:p>
-                      <a:pPr marL="342900" lvl="0" indent="-342900">
-                        <a:spcBef>
-                          <a:spcPts val="600"/>
-                        </a:spcBef>
-                        <a:spcAft>
-                          <a:spcPts val="600"/>
-                        </a:spcAft>
-                        <a:buFont typeface="Symbol" panose="05050102010706020507" pitchFamily="18" charset="2"/>
-                        <a:buChar char=""/>
-                        <a:tabLst>
-                          <a:tab pos="180340" algn="l"/>
-                        </a:tabLst>
-                      </a:pPr>
-                      <a:r>
-                        <a:rPr lang="en-AU" sz="1200" dirty="0">
-                          <a:effectLst/>
-                        </a:rPr>
-                        <a:t>Use complex programming techniques to develop a refined computer program.</a:t>
-                      </a:r>
-                      <a:endParaRPr lang="en-NZ" sz="1200" dirty="0">
-                        <a:solidFill>
-                          <a:srgbClr val="000000"/>
-                        </a:solidFill>
-                        <a:effectLst/>
-                        <a:latin typeface="Arial Mäori"/>
-                        <a:ea typeface="Arial Mäori"/>
-                      </a:endParaRPr>
-                    </a:p>
-                  </a:txBody>
-                  <a:tcPr marL="68580" marR="68580" marT="0" marB="0"/>
-                </a:tc>
-                <a:extLst>
-                  <a:ext uri="{0D108BD9-81ED-4DB2-BD59-A6C34878D82A}">
-                    <a16:rowId xmlns:a16="http://schemas.microsoft.com/office/drawing/2014/main" val="2163028381"/>
-                  </a:ext>
-                </a:extLst>
-              </a:tr>
-            </a:tbl>
-          </a:graphicData>
-        </a:graphic>
-      </p:graphicFrame>
-    </p:spTree>
-    <p:extLst>
-      <p:ext uri="{BB962C8B-B14F-4D97-AF65-F5344CB8AC3E}">
-        <p14:creationId xmlns:p14="http://schemas.microsoft.com/office/powerpoint/2010/main" val="4179150339"/>
-      </p:ext>
-    </p:extLst>
-  </p:cSld>
-  <p:clrMapOvr>
-    <a:masterClrMapping/>
-  </p:clrMapOvr>
-</p:sld>
-</file>
-
-<file path=ppt/slides/slide20.xml><?xml version="1.0" encoding="utf-8"?>
+<file path=ppt/slides/slide19.xml><?xml version="1.0" encoding="utf-8"?>
 <p:sld xmlns:a="http://schemas.openxmlformats.org/drawingml/2006/main" xmlns:r="http://schemas.openxmlformats.org/officeDocument/2006/relationships" xmlns:p="http://schemas.openxmlformats.org/presentationml/2006/main">
   <p:cSld>
     <p:spTree>
@@ -7266,7 +6828,352 @@
 </p:sld>
 </file>
 
-<file path=ppt/slides/slide21.xml><?xml version="1.0" encoding="utf-8"?>
+<file path=ppt/slides/slide2.xml><?xml version="1.0" encoding="utf-8"?>
+<p:sld xmlns:a="http://schemas.openxmlformats.org/drawingml/2006/main" xmlns:r="http://schemas.openxmlformats.org/officeDocument/2006/relationships" xmlns:p="http://schemas.openxmlformats.org/presentationml/2006/main">
+  <p:cSld>
+    <p:spTree>
+      <p:nvGrpSpPr>
+        <p:cNvPr id="1" name=""/>
+        <p:cNvGrpSpPr/>
+        <p:nvPr/>
+      </p:nvGrpSpPr>
+      <p:grpSpPr>
+        <a:xfrm>
+          <a:off x="0" y="0"/>
+          <a:ext cx="0" cy="0"/>
+          <a:chOff x="0" y="0"/>
+          <a:chExt cx="0" cy="0"/>
+        </a:xfrm>
+      </p:grpSpPr>
+      <p:sp>
+        <p:nvSpPr>
+          <p:cNvPr id="2" name="Title 1"/>
+          <p:cNvSpPr>
+            <a:spLocks noGrp="1"/>
+          </p:cNvSpPr>
+          <p:nvPr>
+            <p:ph type="ctrTitle"/>
+          </p:nvPr>
+        </p:nvSpPr>
+        <p:spPr/>
+        <p:txBody>
+          <a:bodyPr>
+            <a:normAutofit fontScale="90000"/>
+          </a:bodyPr>
+          <a:lstStyle/>
+          <a:p>
+            <a:r>
+              <a:rPr lang="en-NZ" dirty="0"/>
+              <a:t>Use complex programming techniques to develop a computer program</a:t>
+            </a:r>
+          </a:p>
+        </p:txBody>
+      </p:sp>
+      <p:sp>
+        <p:nvSpPr>
+          <p:cNvPr id="3" name="Subtitle 2"/>
+          <p:cNvSpPr>
+            <a:spLocks noGrp="1"/>
+          </p:cNvSpPr>
+          <p:nvPr>
+            <p:ph type="subTitle" idx="1"/>
+          </p:nvPr>
+        </p:nvSpPr>
+        <p:spPr/>
+        <p:txBody>
+          <a:bodyPr/>
+          <a:lstStyle/>
+          <a:p>
+            <a:endParaRPr lang="en-NZ" dirty="0"/>
+          </a:p>
+        </p:txBody>
+      </p:sp>
+      <p:graphicFrame>
+        <p:nvGraphicFramePr>
+          <p:cNvPr id="4" name="Table 3">
+            <a:extLst>
+              <a:ext uri="{FF2B5EF4-FFF2-40B4-BE49-F238E27FC236}">
+                <a16:creationId xmlns:a16="http://schemas.microsoft.com/office/drawing/2014/main" id="{57DC309C-123F-4415-8171-CDB21741F551}"/>
+              </a:ext>
+            </a:extLst>
+          </p:cNvPr>
+          <p:cNvGraphicFramePr>
+            <a:graphicFrameLocks noGrp="1"/>
+          </p:cNvGraphicFramePr>
+          <p:nvPr>
+            <p:extLst>
+              <p:ext uri="{D42A27DB-BD31-4B8C-83A1-F6EECF244321}">
+                <p14:modId xmlns:p14="http://schemas.microsoft.com/office/powerpoint/2010/main" val="2158535663"/>
+              </p:ext>
+            </p:extLst>
+          </p:nvPr>
+        </p:nvGraphicFramePr>
+        <p:xfrm>
+          <a:off x="1820411" y="4455620"/>
+          <a:ext cx="7617203" cy="1468073"/>
+        </p:xfrm>
+        <a:graphic>
+          <a:graphicData uri="http://schemas.openxmlformats.org/drawingml/2006/table">
+            <a:tbl>
+              <a:tblPr>
+                <a:tableStyleId>{5C22544A-7EE6-4342-B048-85BDC9FD1C3A}</a:tableStyleId>
+              </a:tblPr>
+              <a:tblGrid>
+                <a:gridCol w="2460594">
+                  <a:extLst>
+                    <a:ext uri="{9D8B030D-6E8A-4147-A177-3AD203B41FA5}">
+                      <a16:colId xmlns:a16="http://schemas.microsoft.com/office/drawing/2014/main" val="1423301778"/>
+                    </a:ext>
+                  </a:extLst>
+                </a:gridCol>
+                <a:gridCol w="2569250">
+                  <a:extLst>
+                    <a:ext uri="{9D8B030D-6E8A-4147-A177-3AD203B41FA5}">
+                      <a16:colId xmlns:a16="http://schemas.microsoft.com/office/drawing/2014/main" val="3308028619"/>
+                    </a:ext>
+                  </a:extLst>
+                </a:gridCol>
+                <a:gridCol w="2587359">
+                  <a:extLst>
+                    <a:ext uri="{9D8B030D-6E8A-4147-A177-3AD203B41FA5}">
+                      <a16:colId xmlns:a16="http://schemas.microsoft.com/office/drawing/2014/main" val="2214946690"/>
+                    </a:ext>
+                  </a:extLst>
+                </a:gridCol>
+              </a:tblGrid>
+              <a:tr h="293614">
+                <a:tc>
+                  <a:txBody>
+                    <a:bodyPr/>
+                    <a:lstStyle/>
+                    <a:p>
+                      <a:pPr>
+                        <a:spcBef>
+                          <a:spcPts val="600"/>
+                        </a:spcBef>
+                        <a:spcAft>
+                          <a:spcPts val="600"/>
+                        </a:spcAft>
+                      </a:pPr>
+                      <a:r>
+                        <a:rPr lang="en-US" sz="1200">
+                          <a:effectLst/>
+                        </a:rPr>
+                        <a:t>Achievement</a:t>
+                      </a:r>
+                      <a:endParaRPr lang="en-NZ" sz="1200">
+                        <a:solidFill>
+                          <a:srgbClr val="000000"/>
+                        </a:solidFill>
+                        <a:effectLst/>
+                        <a:latin typeface="Arial Mäori"/>
+                        <a:ea typeface="Arial Mäori"/>
+                      </a:endParaRPr>
+                    </a:p>
+                  </a:txBody>
+                  <a:tcPr marL="68580" marR="68580" marT="0" marB="0"/>
+                </a:tc>
+                <a:tc>
+                  <a:txBody>
+                    <a:bodyPr/>
+                    <a:lstStyle/>
+                    <a:p>
+                      <a:pPr>
+                        <a:spcBef>
+                          <a:spcPts val="600"/>
+                        </a:spcBef>
+                        <a:spcAft>
+                          <a:spcPts val="600"/>
+                        </a:spcAft>
+                      </a:pPr>
+                      <a:r>
+                        <a:rPr lang="en-US" sz="1200">
+                          <a:effectLst/>
+                        </a:rPr>
+                        <a:t>Achievement with Merit</a:t>
+                      </a:r>
+                      <a:endParaRPr lang="en-NZ" sz="1200">
+                        <a:solidFill>
+                          <a:srgbClr val="000000"/>
+                        </a:solidFill>
+                        <a:effectLst/>
+                        <a:latin typeface="Arial Mäori"/>
+                        <a:ea typeface="Arial Mäori"/>
+                      </a:endParaRPr>
+                    </a:p>
+                  </a:txBody>
+                  <a:tcPr marL="68580" marR="68580" marT="0" marB="0"/>
+                </a:tc>
+                <a:tc>
+                  <a:txBody>
+                    <a:bodyPr/>
+                    <a:lstStyle/>
+                    <a:p>
+                      <a:pPr>
+                        <a:spcBef>
+                          <a:spcPts val="600"/>
+                        </a:spcBef>
+                        <a:spcAft>
+                          <a:spcPts val="600"/>
+                        </a:spcAft>
+                      </a:pPr>
+                      <a:r>
+                        <a:rPr lang="en-US" sz="1200" dirty="0">
+                          <a:effectLst/>
+                        </a:rPr>
+                        <a:t>Achievement with Excellence</a:t>
+                      </a:r>
+                      <a:endParaRPr lang="en-NZ" sz="1200" dirty="0">
+                        <a:solidFill>
+                          <a:srgbClr val="000000"/>
+                        </a:solidFill>
+                        <a:effectLst/>
+                        <a:latin typeface="Arial Mäori"/>
+                        <a:ea typeface="Arial Mäori"/>
+                      </a:endParaRPr>
+                    </a:p>
+                  </a:txBody>
+                  <a:tcPr marL="68580" marR="68580" marT="0" marB="0"/>
+                </a:tc>
+                <a:extLst>
+                  <a:ext uri="{0D108BD9-81ED-4DB2-BD59-A6C34878D82A}">
+                    <a16:rowId xmlns:a16="http://schemas.microsoft.com/office/drawing/2014/main" val="3089653964"/>
+                  </a:ext>
+                </a:extLst>
+              </a:tr>
+              <a:tr h="1174459">
+                <a:tc>
+                  <a:txBody>
+                    <a:bodyPr/>
+                    <a:lstStyle/>
+                    <a:p>
+                      <a:pPr marL="342900" lvl="0" indent="-342900">
+                        <a:spcBef>
+                          <a:spcPts val="600"/>
+                        </a:spcBef>
+                        <a:spcAft>
+                          <a:spcPts val="600"/>
+                        </a:spcAft>
+                        <a:buFont typeface="Symbol" panose="05050102010706020507" pitchFamily="18" charset="2"/>
+                        <a:buChar char=""/>
+                        <a:tabLst>
+                          <a:tab pos="180340" algn="l"/>
+                        </a:tabLst>
+                      </a:pPr>
+                      <a:r>
+                        <a:rPr lang="en-AU" sz="1200">
+                          <a:effectLst/>
+                        </a:rPr>
+                        <a:t>Use complex programming techniques to develop a computer program.</a:t>
+                      </a:r>
+                      <a:endParaRPr lang="en-NZ" sz="1200">
+                        <a:solidFill>
+                          <a:srgbClr val="000000"/>
+                        </a:solidFill>
+                        <a:effectLst/>
+                        <a:latin typeface="Arial Mäori"/>
+                        <a:ea typeface="Arial Mäori"/>
+                      </a:endParaRPr>
+                    </a:p>
+                  </a:txBody>
+                  <a:tcPr marL="68580" marR="68580" marT="0" marB="0"/>
+                </a:tc>
+                <a:tc>
+                  <a:txBody>
+                    <a:bodyPr/>
+                    <a:lstStyle/>
+                    <a:p>
+                      <a:pPr marL="342900" lvl="0" indent="-342900">
+                        <a:spcBef>
+                          <a:spcPts val="600"/>
+                        </a:spcBef>
+                        <a:spcAft>
+                          <a:spcPts val="600"/>
+                        </a:spcAft>
+                        <a:buFont typeface="Symbol" panose="05050102010706020507" pitchFamily="18" charset="2"/>
+                        <a:buChar char=""/>
+                        <a:tabLst>
+                          <a:tab pos="180340" algn="l"/>
+                        </a:tabLst>
+                      </a:pPr>
+                      <a:r>
+                        <a:rPr lang="en-AU" sz="1200" dirty="0">
+                          <a:effectLst/>
+                        </a:rPr>
+                        <a:t>Use complex programming techniques to develop an informed computer program.</a:t>
+                      </a:r>
+                      <a:endParaRPr lang="en-NZ" sz="1200" dirty="0">
+                        <a:solidFill>
+                          <a:srgbClr val="000000"/>
+                        </a:solidFill>
+                        <a:effectLst/>
+                        <a:latin typeface="Arial Mäori"/>
+                        <a:ea typeface="Arial Mäori"/>
+                      </a:endParaRPr>
+                    </a:p>
+                  </a:txBody>
+                  <a:tcPr marL="68580" marR="68580" marT="0" marB="0"/>
+                </a:tc>
+                <a:tc>
+                  <a:txBody>
+                    <a:bodyPr/>
+                    <a:lstStyle/>
+                    <a:p>
+                      <a:pPr marL="342900" lvl="0" indent="-342900">
+                        <a:spcBef>
+                          <a:spcPts val="600"/>
+                        </a:spcBef>
+                        <a:spcAft>
+                          <a:spcPts val="600"/>
+                        </a:spcAft>
+                        <a:buFont typeface="Symbol" panose="05050102010706020507" pitchFamily="18" charset="2"/>
+                        <a:buChar char=""/>
+                        <a:tabLst>
+                          <a:tab pos="180340" algn="l"/>
+                        </a:tabLst>
+                      </a:pPr>
+                      <a:r>
+                        <a:rPr lang="en-AU" sz="1200" dirty="0">
+                          <a:effectLst/>
+                        </a:rPr>
+                        <a:t>Use complex programming techniques to develop a refined computer program.</a:t>
+                      </a:r>
+                      <a:endParaRPr lang="en-NZ" sz="1200" dirty="0">
+                        <a:solidFill>
+                          <a:srgbClr val="000000"/>
+                        </a:solidFill>
+                        <a:effectLst/>
+                        <a:latin typeface="Arial Mäori"/>
+                        <a:ea typeface="Arial Mäori"/>
+                      </a:endParaRPr>
+                    </a:p>
+                  </a:txBody>
+                  <a:tcPr marL="68580" marR="68580" marT="0" marB="0"/>
+                </a:tc>
+                <a:extLst>
+                  <a:ext uri="{0D108BD9-81ED-4DB2-BD59-A6C34878D82A}">
+                    <a16:rowId xmlns:a16="http://schemas.microsoft.com/office/drawing/2014/main" val="2163028381"/>
+                  </a:ext>
+                </a:extLst>
+              </a:tr>
+            </a:tbl>
+          </a:graphicData>
+        </a:graphic>
+      </p:graphicFrame>
+    </p:spTree>
+    <p:extLst>
+      <p:ext uri="{BB962C8B-B14F-4D97-AF65-F5344CB8AC3E}">
+        <p14:creationId xmlns:p14="http://schemas.microsoft.com/office/powerpoint/2010/main" val="4179150339"/>
+      </p:ext>
+    </p:extLst>
+  </p:cSld>
+  <p:clrMapOvr>
+    <a:masterClrMapping/>
+  </p:clrMapOvr>
+</p:sld>
+</file>
+
+<file path=ppt/slides/slide20.xml><?xml version="1.0" encoding="utf-8"?>
 <p:sld xmlns:a="http://schemas.openxmlformats.org/drawingml/2006/main" xmlns:r="http://schemas.openxmlformats.org/officeDocument/2006/relationships" xmlns:p="http://schemas.openxmlformats.org/presentationml/2006/main">
   <p:cSld>
     <p:spTree>
@@ -7884,7 +7791,7 @@
 </p:sld>
 </file>
 
-<file path=ppt/slides/slide22.xml><?xml version="1.0" encoding="utf-8"?>
+<file path=ppt/slides/slide21.xml><?xml version="1.0" encoding="utf-8"?>
 <p:sld xmlns:a="http://schemas.openxmlformats.org/drawingml/2006/main" xmlns:r="http://schemas.openxmlformats.org/officeDocument/2006/relationships" xmlns:p="http://schemas.openxmlformats.org/presentationml/2006/main">
   <p:cSld>
     <p:spTree>
@@ -8443,7 +8350,7 @@
 </p:sld>
 </file>
 
-<file path=ppt/slides/slide23.xml><?xml version="1.0" encoding="utf-8"?>
+<file path=ppt/slides/slide22.xml><?xml version="1.0" encoding="utf-8"?>
 <p:sld xmlns:a="http://schemas.openxmlformats.org/drawingml/2006/main" xmlns:r="http://schemas.openxmlformats.org/officeDocument/2006/relationships" xmlns:p="http://schemas.openxmlformats.org/presentationml/2006/main">
   <p:cSld>
     <p:spTree>
@@ -9077,7 +8984,7 @@
 </p:sld>
 </file>
 
-<file path=ppt/slides/slide24.xml><?xml version="1.0" encoding="utf-8"?>
+<file path=ppt/slides/slide23.xml><?xml version="1.0" encoding="utf-8"?>
 <p:sld xmlns:a="http://schemas.openxmlformats.org/drawingml/2006/main" xmlns:r="http://schemas.openxmlformats.org/officeDocument/2006/relationships" xmlns:p="http://schemas.openxmlformats.org/presentationml/2006/main">
   <p:cSld>
     <p:spTree>
@@ -9734,7 +9641,7 @@
 </p:sld>
 </file>
 
-<file path=ppt/slides/slide25.xml><?xml version="1.0" encoding="utf-8"?>
+<file path=ppt/slides/slide24.xml><?xml version="1.0" encoding="utf-8"?>
 <p:sld xmlns:a="http://schemas.openxmlformats.org/drawingml/2006/main" xmlns:r="http://schemas.openxmlformats.org/officeDocument/2006/relationships" xmlns:p="http://schemas.openxmlformats.org/presentationml/2006/main">
   <p:cSld>
     <p:spTree>
@@ -10293,7 +10200,7 @@
 </p:sld>
 </file>
 
-<file path=ppt/slides/slide26.xml><?xml version="1.0" encoding="utf-8"?>
+<file path=ppt/slides/slide25.xml><?xml version="1.0" encoding="utf-8"?>
 <p:sld xmlns:a="http://schemas.openxmlformats.org/drawingml/2006/main" xmlns:r="http://schemas.openxmlformats.org/officeDocument/2006/relationships" xmlns:p="http://schemas.openxmlformats.org/presentationml/2006/main">
   <p:cSld>
     <p:spTree>
@@ -10861,6 +10768,95 @@
 </p:sld>
 </file>
 
+<file path=ppt/slides/slide26.xml><?xml version="1.0" encoding="utf-8"?>
+<p:sld xmlns:a="http://schemas.openxmlformats.org/drawingml/2006/main" xmlns:r="http://schemas.openxmlformats.org/officeDocument/2006/relationships" xmlns:p="http://schemas.openxmlformats.org/presentationml/2006/main">
+  <p:cSld>
+    <p:spTree>
+      <p:nvGrpSpPr>
+        <p:cNvPr id="1" name=""/>
+        <p:cNvGrpSpPr/>
+        <p:nvPr/>
+      </p:nvGrpSpPr>
+      <p:grpSpPr>
+        <a:xfrm>
+          <a:off x="0" y="0"/>
+          <a:ext cx="0" cy="0"/>
+          <a:chOff x="0" y="0"/>
+          <a:chExt cx="0" cy="0"/>
+        </a:xfrm>
+      </p:grpSpPr>
+      <p:sp>
+        <p:nvSpPr>
+          <p:cNvPr id="2" name="Title 1">
+            <a:extLst>
+              <a:ext uri="{FF2B5EF4-FFF2-40B4-BE49-F238E27FC236}">
+                <a16:creationId xmlns:a16="http://schemas.microsoft.com/office/drawing/2014/main" id="{0FF8B254-1D3B-8DEF-8450-9E03830D685F}"/>
+              </a:ext>
+            </a:extLst>
+          </p:cNvPr>
+          <p:cNvSpPr>
+            <a:spLocks noGrp="1"/>
+          </p:cNvSpPr>
+          <p:nvPr>
+            <p:ph type="title"/>
+          </p:nvPr>
+        </p:nvSpPr>
+        <p:spPr/>
+        <p:txBody>
+          <a:bodyPr/>
+          <a:lstStyle/>
+          <a:p>
+            <a:r>
+              <a:rPr lang="en-US" dirty="0"/>
+              <a:t>Other test stuff</a:t>
+            </a:r>
+          </a:p>
+        </p:txBody>
+      </p:sp>
+      <p:sp>
+        <p:nvSpPr>
+          <p:cNvPr id="3" name="Content Placeholder 2">
+            <a:extLst>
+              <a:ext uri="{FF2B5EF4-FFF2-40B4-BE49-F238E27FC236}">
+                <a16:creationId xmlns:a16="http://schemas.microsoft.com/office/drawing/2014/main" id="{BEC5BBB0-F439-7A10-EEDD-7A0E47208735}"/>
+              </a:ext>
+            </a:extLst>
+          </p:cNvPr>
+          <p:cNvSpPr>
+            <a:spLocks noGrp="1"/>
+          </p:cNvSpPr>
+          <p:nvPr>
+            <p:ph idx="1"/>
+          </p:nvPr>
+        </p:nvSpPr>
+        <p:spPr/>
+        <p:txBody>
+          <a:bodyPr/>
+          <a:lstStyle/>
+          <a:p>
+            <a:r>
+              <a:rPr lang="en-US" dirty="0"/>
+              <a:t>Trying to access a page you shouldn’t: Redirects and tells them they shouldn’t be there</a:t>
+            </a:r>
+          </a:p>
+          <a:p>
+            <a:endParaRPr lang="en-US" dirty="0"/>
+          </a:p>
+        </p:txBody>
+      </p:sp>
+    </p:spTree>
+    <p:extLst>
+      <p:ext uri="{BB962C8B-B14F-4D97-AF65-F5344CB8AC3E}">
+        <p14:creationId xmlns:p14="http://schemas.microsoft.com/office/powerpoint/2010/main" val="2527978070"/>
+      </p:ext>
+    </p:extLst>
+  </p:cSld>
+  <p:clrMapOvr>
+    <a:masterClrMapping/>
+  </p:clrMapOvr>
+</p:sld>
+</file>
+
 <file path=ppt/slides/slide27.xml><?xml version="1.0" encoding="utf-8"?>
 <p:sld xmlns:a="http://schemas.openxmlformats.org/drawingml/2006/main" xmlns:r="http://schemas.openxmlformats.org/officeDocument/2006/relationships" xmlns:p="http://schemas.openxmlformats.org/presentationml/2006/main">
   <p:cSld>
@@ -10883,7 +10879,7 @@
           <p:cNvPr id="2" name="Title 1">
             <a:extLst>
               <a:ext uri="{FF2B5EF4-FFF2-40B4-BE49-F238E27FC236}">
-                <a16:creationId xmlns:a16="http://schemas.microsoft.com/office/drawing/2014/main" id="{0FF8B254-1D3B-8DEF-8450-9E03830D685F}"/>
+                <a16:creationId xmlns:a16="http://schemas.microsoft.com/office/drawing/2014/main" id="{410AFD3A-2410-FB38-394C-00808F79FA6F}"/>
               </a:ext>
             </a:extLst>
           </p:cNvPr>
@@ -10901,7 +10897,7 @@
           <a:p>
             <a:r>
               <a:rPr lang="en-US" dirty="0"/>
-              <a:t>Other test stuff</a:t>
+              <a:t>User testing</a:t>
             </a:r>
           </a:p>
         </p:txBody>
@@ -10911,7 +10907,7 @@
           <p:cNvPr id="3" name="Content Placeholder 2">
             <a:extLst>
               <a:ext uri="{FF2B5EF4-FFF2-40B4-BE49-F238E27FC236}">
-                <a16:creationId xmlns:a16="http://schemas.microsoft.com/office/drawing/2014/main" id="{BEC5BBB0-F439-7A10-EEDD-7A0E47208735}"/>
+                <a16:creationId xmlns:a16="http://schemas.microsoft.com/office/drawing/2014/main" id="{8C625E51-24ED-34DC-A954-99F10AFDEE3A}"/>
               </a:ext>
             </a:extLst>
           </p:cNvPr>
@@ -10929,18 +10925,21 @@
           <a:p>
             <a:r>
               <a:rPr lang="en-US" dirty="0"/>
-              <a:t>Trying to access a page you shouldn’t: Redirects and tells them they shouldn’t be there</a:t>
-            </a:r>
-          </a:p>
-          <a:p>
-            <a:endParaRPr lang="en-US" dirty="0"/>
+              <a:t>Users felt it was unclear that there is a max username length, so I added an indicator</a:t>
+            </a:r>
+          </a:p>
+          <a:p>
+            <a:r>
+              <a:rPr lang="en-US" dirty="0"/>
+              <a:t>Users also noticed that the links for the info pages were in the navbar when they weren’t logged in, but it asked them to log in to access the page, so I removed the log in required part</a:t>
+            </a:r>
           </a:p>
         </p:txBody>
       </p:sp>
     </p:spTree>
     <p:extLst>
       <p:ext uri="{BB962C8B-B14F-4D97-AF65-F5344CB8AC3E}">
-        <p14:creationId xmlns:p14="http://schemas.microsoft.com/office/powerpoint/2010/main" val="2527978070"/>
+        <p14:creationId xmlns:p14="http://schemas.microsoft.com/office/powerpoint/2010/main" val="1128400774"/>
       </p:ext>
     </p:extLst>
   </p:cSld>
@@ -10969,13 +10968,7 @@
       </p:grpSpPr>
       <p:sp>
         <p:nvSpPr>
-          <p:cNvPr id="2" name="Title 1">
-            <a:extLst>
-              <a:ext uri="{FF2B5EF4-FFF2-40B4-BE49-F238E27FC236}">
-                <a16:creationId xmlns:a16="http://schemas.microsoft.com/office/drawing/2014/main" id="{410AFD3A-2410-FB38-394C-00808F79FA6F}"/>
-              </a:ext>
-            </a:extLst>
-          </p:cNvPr>
+          <p:cNvPr id="2" name="Title 1"/>
           <p:cNvSpPr>
             <a:spLocks noGrp="1"/>
           </p:cNvSpPr>
@@ -10989,21 +10982,19 @@
           <a:lstStyle/>
           <a:p>
             <a:r>
-              <a:rPr lang="en-US" dirty="0"/>
-              <a:t>User testing</a:t>
-            </a:r>
+              <a:rPr lang="en-NZ" sz="2800" dirty="0"/>
+              <a:t>Describe the end user requirements</a:t>
+            </a:r>
+            <a:br>
+              <a:rPr lang="en-NZ" dirty="0"/>
+            </a:br>
+            <a:endParaRPr lang="en-NZ" dirty="0"/>
           </a:p>
         </p:txBody>
       </p:sp>
       <p:sp>
         <p:nvSpPr>
-          <p:cNvPr id="3" name="Content Placeholder 2">
-            <a:extLst>
-              <a:ext uri="{FF2B5EF4-FFF2-40B4-BE49-F238E27FC236}">
-                <a16:creationId xmlns:a16="http://schemas.microsoft.com/office/drawing/2014/main" id="{8C625E51-24ED-34DC-A954-99F10AFDEE3A}"/>
-              </a:ext>
-            </a:extLst>
-          </p:cNvPr>
+          <p:cNvPr id="3" name="Content Placeholder 2"/>
           <p:cNvSpPr>
             <a:spLocks noGrp="1"/>
           </p:cNvSpPr>
@@ -11013,26 +11004,83 @@
         </p:nvSpPr>
         <p:spPr/>
         <p:txBody>
-          <a:bodyPr/>
+          <a:bodyPr>
+            <a:normAutofit fontScale="85000" lnSpcReduction="20000"/>
+          </a:bodyPr>
           <a:lstStyle/>
           <a:p>
-            <a:r>
-              <a:rPr lang="en-US" dirty="0"/>
-              <a:t>Users felt it was unclear that there is a max username length, so I added an indicator</a:t>
-            </a:r>
-          </a:p>
-          <a:p>
-            <a:r>
-              <a:rPr lang="en-US" dirty="0"/>
-              <a:t>Users also noticed that the links for the info pages were in the navbar when they weren’t logged in, but it asked them to log in to access the page, so I removed the log in required part</a:t>
-            </a:r>
+            <a:pPr marL="0" indent="0">
+              <a:buNone/>
+            </a:pPr>
+            <a:r>
+              <a:rPr lang="en-NZ" sz="2000" dirty="0"/>
+              <a:t>Describe how the chosen tools and techniques to develop the website were appropriate for the purpose and end users. </a:t>
+            </a:r>
+          </a:p>
+          <a:p>
+            <a:pPr marL="0" indent="0">
+              <a:buNone/>
+            </a:pPr>
+            <a:r>
+              <a:rPr lang="en-NZ" sz="2000" dirty="0"/>
+              <a:t>End user requirements:</a:t>
+            </a:r>
+          </a:p>
+          <a:p>
+            <a:pPr marL="457200" indent="-457200">
+              <a:buAutoNum type="arabicPeriod"/>
+            </a:pPr>
+            <a:r>
+              <a:rPr lang="en-NZ" dirty="0"/>
+              <a:t>The website must work well</a:t>
+            </a:r>
+          </a:p>
+          <a:p>
+            <a:pPr marL="457200" indent="-457200">
+              <a:buAutoNum type="arabicPeriod"/>
+            </a:pPr>
+            <a:r>
+              <a:rPr lang="en-NZ" dirty="0"/>
+              <a:t>The website must be intuitive to use</a:t>
+            </a:r>
+          </a:p>
+          <a:p>
+            <a:pPr marL="457200" indent="-457200">
+              <a:buAutoNum type="arabicPeriod"/>
+            </a:pPr>
+            <a:r>
+              <a:rPr lang="en-NZ" sz="2000" dirty="0"/>
+              <a:t>The website must be accessible on different devices and browsers</a:t>
+            </a:r>
+          </a:p>
+          <a:p>
+            <a:pPr marL="0" indent="0">
+              <a:buNone/>
+            </a:pPr>
+            <a:r>
+              <a:rPr lang="en-NZ" sz="2000" dirty="0"/>
+              <a:t>Visual Studio </a:t>
+            </a:r>
+            <a:r>
+              <a:rPr lang="en-NZ" dirty="0"/>
+              <a:t>code and git hub were appropriate tools to use because GitHub allowed me to easily work between multiple devices which allowed me to more easily make the deadline and visual studio code allowed me to code in multiple languages (html, java, </a:t>
+            </a:r>
+            <a:r>
+              <a:rPr lang="en-NZ" dirty="0" err="1"/>
+              <a:t>css</a:t>
+            </a:r>
+            <a:r>
+              <a:rPr lang="en-NZ" dirty="0"/>
+              <a:t>, python) in one application, which are languages that work on many different devices and browsers. Some appropriate techniques that I used were commenting, PEP8 formatting, and common sense coding. The techniques of commenting and PEP8 formatting made it easier to edit in future which was one of the things my client wanted. Common sense coding is a technique where you code a website as though you were using it, coding in the natural order. This would start with a sign up page, move onto a log in page, etc. This technique is useful for ensuring that a website in intuitive to use, because you have been using it as you made it. This was a useful technique because my end users wanted it to be intuitive to use which common sense coding did.</a:t>
+            </a:r>
+            <a:endParaRPr lang="en-NZ" sz="2000" dirty="0"/>
           </a:p>
         </p:txBody>
       </p:sp>
     </p:spTree>
     <p:extLst>
       <p:ext uri="{BB962C8B-B14F-4D97-AF65-F5344CB8AC3E}">
-        <p14:creationId xmlns:p14="http://schemas.microsoft.com/office/powerpoint/2010/main" val="1128400774"/>
+        <p14:creationId xmlns:p14="http://schemas.microsoft.com/office/powerpoint/2010/main" val="2290261641"/>
       </p:ext>
     </p:extLst>
   </p:cSld>
@@ -11071,21 +11119,15 @@
         </p:nvSpPr>
         <p:spPr/>
         <p:txBody>
-          <a:bodyPr/>
+          <a:bodyPr>
+            <a:normAutofit/>
+          </a:bodyPr>
           <a:lstStyle/>
           <a:p>
             <a:r>
               <a:rPr lang="en-NZ" sz="2800" dirty="0"/>
-              <a:t>Describe the end user requirements</a:t>
-            </a:r>
-            <a:r>
-              <a:rPr lang="en-NZ" dirty="0"/>
-              <a:t/>
-            </a:r>
-            <a:br>
-              <a:rPr lang="en-NZ" dirty="0"/>
-            </a:br>
-            <a:endParaRPr lang="en-NZ" dirty="0"/>
+              <a:t>Iterative Improvement</a:t>
+            </a:r>
           </a:p>
         </p:txBody>
       </p:sp>
@@ -11102,7 +11144,7 @@
         <p:spPr/>
         <p:txBody>
           <a:bodyPr>
-            <a:normAutofit fontScale="85000" lnSpcReduction="20000"/>
+            <a:normAutofit/>
           </a:bodyPr>
           <a:lstStyle/>
           <a:p>
@@ -11111,7 +11153,7 @@
             </a:pPr>
             <a:r>
               <a:rPr lang="en-NZ" sz="2000" dirty="0"/>
-              <a:t>Describe how the chosen tools and techniques to develop the website were appropriate for the purpose and end users. </a:t>
+              <a:t>Show how you have used iterative improvement throughout the design, development and testing process to produce a high-quality outcome. (through providing screenshots/a screencast) </a:t>
             </a:r>
           </a:p>
           <a:p>
@@ -11119,56 +11161,12 @@
               <a:buNone/>
             </a:pPr>
             <a:r>
-              <a:rPr lang="en-NZ" sz="2000" dirty="0"/>
-              <a:t>End user requirements:</a:t>
-            </a:r>
-          </a:p>
-          <a:p>
-            <a:pPr marL="457200" indent="-457200">
-              <a:buAutoNum type="arabicPeriod"/>
-            </a:pPr>
-            <a:r>
               <a:rPr lang="en-NZ" dirty="0"/>
-              <a:t>The website must work well</a:t>
-            </a:r>
-          </a:p>
-          <a:p>
-            <a:pPr marL="457200" indent="-457200">
-              <a:buAutoNum type="arabicPeriod"/>
-            </a:pPr>
-            <a:r>
-              <a:rPr lang="en-NZ" dirty="0"/>
-              <a:t>The website must be intuitive to use</a:t>
-            </a:r>
-          </a:p>
-          <a:p>
-            <a:pPr marL="457200" indent="-457200">
-              <a:buAutoNum type="arabicPeriod"/>
-            </a:pPr>
-            <a:r>
-              <a:rPr lang="en-NZ" sz="2000" dirty="0"/>
-              <a:t>The website must be accessible on different devices and browsers</a:t>
-            </a:r>
-          </a:p>
-          <a:p>
-            <a:pPr marL="0" indent="0">
-              <a:buNone/>
-            </a:pPr>
-            <a:r>
-              <a:rPr lang="en-NZ" sz="2000" dirty="0"/>
-              <a:t>Visual Studio </a:t>
-            </a:r>
-            <a:r>
-              <a:rPr lang="en-NZ" dirty="0"/>
-              <a:t>code and git hub were appropriate tools to use because GitHub allowed me to easily work between multiple devices which allowed me to more easily make the deadline and visual studio code allowed me to code in multiple languages (html, java, </a:t>
-            </a:r>
-            <a:r>
-              <a:rPr lang="en-NZ" dirty="0" err="1"/>
-              <a:t>css</a:t>
-            </a:r>
-            <a:r>
-              <a:rPr lang="en-NZ" dirty="0"/>
-              <a:t>, python) in one application, which are languages that work on many different devices and browsers. Some appropriate techniques that I used were commenting, PEP8 formatting, and common sense coding. The techniques of commenting and PEP8 formatting made it easier to edit in future which was one of the things my client wanted. Common sense coding is a technique where you code a website as though you were using it, coding in the natural order. This would start with a sign up page, move onto a log in page, etc. This technique is useful for ensuring that a website in intuitive to use, because you have been using it as you made it. This was a useful technique because my end users wanted it to be intuitive to use which common sense coding did.</a:t>
+              <a:t>Will be included in “bug-fixing” document in submission as well as in the </a:t>
+            </a:r>
+            <a:r>
+              <a:rPr lang="en-NZ"/>
+              <a:t>github</a:t>
             </a:r>
             <a:endParaRPr lang="en-NZ" sz="2000" dirty="0"/>
           </a:p>
@@ -11177,7 +11175,7 @@
     </p:spTree>
     <p:extLst>
       <p:ext uri="{BB962C8B-B14F-4D97-AF65-F5344CB8AC3E}">
-        <p14:creationId xmlns:p14="http://schemas.microsoft.com/office/powerpoint/2010/main" val="2290261641"/>
+        <p14:creationId xmlns:p14="http://schemas.microsoft.com/office/powerpoint/2010/main" val="2562898663"/>
       </p:ext>
     </p:extLst>
   </p:cSld>
@@ -11350,7 +11348,7 @@
           <a:p>
             <a:r>
               <a:rPr lang="en-NZ" sz="2800" dirty="0"/>
-              <a:t>Iterative Improvement</a:t>
+              <a:t>Version Control</a:t>
             </a:r>
           </a:p>
         </p:txBody>
@@ -11377,7 +11375,7 @@
             </a:pPr>
             <a:r>
               <a:rPr lang="en-NZ" sz="2000" dirty="0"/>
-              <a:t>Show how you have used iterative improvement throughout the design, development and testing process to produce a high-quality outcome. (through providing screenshots/a screencast) </a:t>
+              <a:t>Show how you have used version control throughout the design, development, and testing process.</a:t>
             </a:r>
           </a:p>
           <a:p>
@@ -11385,12 +11383,10 @@
               <a:buNone/>
             </a:pPr>
             <a:r>
-              <a:rPr lang="en-NZ" dirty="0"/>
-              <a:t>Will be included in “bug-fixing” document in submission as well as in the </a:t>
-            </a:r>
-            <a:r>
-              <a:rPr lang="en-NZ"/>
-              <a:t>github</a:t>
+              <a:rPr lang="en-NZ" dirty="0">
+                <a:hlinkClick r:id="rId2"/>
+              </a:rPr>
+              <a:t>Kingston-Smith/Year13Digital</a:t>
             </a:r>
             <a:endParaRPr lang="en-NZ" sz="2000" dirty="0"/>
           </a:p>
@@ -11399,7 +11395,7 @@
     </p:spTree>
     <p:extLst>
       <p:ext uri="{BB962C8B-B14F-4D97-AF65-F5344CB8AC3E}">
-        <p14:creationId xmlns:p14="http://schemas.microsoft.com/office/powerpoint/2010/main" val="2562898663"/>
+        <p14:creationId xmlns:p14="http://schemas.microsoft.com/office/powerpoint/2010/main" val="2812247241"/>
       </p:ext>
     </p:extLst>
   </p:cSld>
@@ -11445,7 +11441,7 @@
           <a:p>
             <a:r>
               <a:rPr lang="en-NZ" sz="2800" dirty="0"/>
-              <a:t>Version Control</a:t>
+              <a:t>GitHub Commits</a:t>
             </a:r>
           </a:p>
         </p:txBody>
@@ -11472,11 +11468,16 @@
             </a:pPr>
             <a:r>
               <a:rPr lang="en-NZ" sz="2000" dirty="0"/>
-              <a:t>Show how you have used version control throughout the design, development, and testing process</a:t>
-            </a:r>
-            <a:r>
-              <a:rPr lang="en-NZ" sz="2000" dirty="0" smtClean="0"/>
-              <a:t>.</a:t>
+              <a:t>Show how you have </a:t>
+            </a:r>
+          </a:p>
+          <a:p>
+            <a:pPr marL="0" indent="0">
+              <a:buNone/>
+            </a:pPr>
+            <a:r>
+              <a:rPr lang="en-NZ" sz="2000" dirty="0"/>
+              <a:t>used GitHub throughout the design, development, and testing process.</a:t>
             </a:r>
           </a:p>
           <a:p>
@@ -11491,12 +11492,18 @@
             </a:r>
             <a:endParaRPr lang="en-NZ" sz="2000" dirty="0"/>
           </a:p>
+          <a:p>
+            <a:pPr marL="0" indent="0">
+              <a:buNone/>
+            </a:pPr>
+            <a:endParaRPr lang="en-NZ" sz="2000" dirty="0"/>
+          </a:p>
         </p:txBody>
       </p:sp>
     </p:spTree>
     <p:extLst>
       <p:ext uri="{BB962C8B-B14F-4D97-AF65-F5344CB8AC3E}">
-        <p14:creationId xmlns:p14="http://schemas.microsoft.com/office/powerpoint/2010/main" val="2812247241"/>
+        <p14:creationId xmlns:p14="http://schemas.microsoft.com/office/powerpoint/2010/main" val="1865976428"/>
       </p:ext>
     </p:extLst>
   </p:cSld>
@@ -11542,123 +11549,6 @@
           <a:p>
             <a:r>
               <a:rPr lang="en-NZ" sz="2800" dirty="0"/>
-              <a:t>GitHub Commits</a:t>
-            </a:r>
-          </a:p>
-        </p:txBody>
-      </p:sp>
-      <p:sp>
-        <p:nvSpPr>
-          <p:cNvPr id="3" name="Content Placeholder 2"/>
-          <p:cNvSpPr>
-            <a:spLocks noGrp="1"/>
-          </p:cNvSpPr>
-          <p:nvPr>
-            <p:ph idx="1"/>
-          </p:nvPr>
-        </p:nvSpPr>
-        <p:spPr/>
-        <p:txBody>
-          <a:bodyPr>
-            <a:normAutofit/>
-          </a:bodyPr>
-          <a:lstStyle/>
-          <a:p>
-            <a:pPr marL="0" indent="0">
-              <a:buNone/>
-            </a:pPr>
-            <a:r>
-              <a:rPr lang="en-NZ" sz="2000" dirty="0"/>
-              <a:t>Show how you have </a:t>
-            </a:r>
-            <a:endParaRPr lang="en-NZ" sz="2000" dirty="0" smtClean="0"/>
-          </a:p>
-          <a:p>
-            <a:pPr marL="0" indent="0">
-              <a:buNone/>
-            </a:pPr>
-            <a:r>
-              <a:rPr lang="en-NZ" sz="2000" dirty="0" smtClean="0"/>
-              <a:t>used </a:t>
-            </a:r>
-            <a:r>
-              <a:rPr lang="en-NZ" sz="2000" dirty="0"/>
-              <a:t>GitHub throughout the design, development, and testing process</a:t>
-            </a:r>
-            <a:r>
-              <a:rPr lang="en-NZ" sz="2000" dirty="0" smtClean="0"/>
-              <a:t>.</a:t>
-            </a:r>
-          </a:p>
-          <a:p>
-            <a:pPr marL="0" indent="0">
-              <a:buNone/>
-            </a:pPr>
-            <a:r>
-              <a:rPr lang="en-NZ" dirty="0">
-                <a:hlinkClick r:id="rId2"/>
-              </a:rPr>
-              <a:t>Kingston-Smith/Year13Digital</a:t>
-            </a:r>
-            <a:endParaRPr lang="en-NZ" sz="2000" dirty="0" smtClean="0"/>
-          </a:p>
-          <a:p>
-            <a:pPr marL="0" indent="0">
-              <a:buNone/>
-            </a:pPr>
-            <a:endParaRPr lang="en-NZ" sz="2000" dirty="0"/>
-          </a:p>
-        </p:txBody>
-      </p:sp>
-    </p:spTree>
-    <p:extLst>
-      <p:ext uri="{BB962C8B-B14F-4D97-AF65-F5344CB8AC3E}">
-        <p14:creationId xmlns:p14="http://schemas.microsoft.com/office/powerpoint/2010/main" val="1865976428"/>
-      </p:ext>
-    </p:extLst>
-  </p:cSld>
-  <p:clrMapOvr>
-    <a:masterClrMapping/>
-  </p:clrMapOvr>
-</p:sld>
-</file>
-
-<file path=ppt/slides/slide33.xml><?xml version="1.0" encoding="utf-8"?>
-<p:sld xmlns:a="http://schemas.openxmlformats.org/drawingml/2006/main" xmlns:r="http://schemas.openxmlformats.org/officeDocument/2006/relationships" xmlns:p="http://schemas.openxmlformats.org/presentationml/2006/main">
-  <p:cSld>
-    <p:spTree>
-      <p:nvGrpSpPr>
-        <p:cNvPr id="1" name=""/>
-        <p:cNvGrpSpPr/>
-        <p:nvPr/>
-      </p:nvGrpSpPr>
-      <p:grpSpPr>
-        <a:xfrm>
-          <a:off x="0" y="0"/>
-          <a:ext cx="0" cy="0"/>
-          <a:chOff x="0" y="0"/>
-          <a:chExt cx="0" cy="0"/>
-        </a:xfrm>
-      </p:grpSpPr>
-      <p:sp>
-        <p:nvSpPr>
-          <p:cNvPr id="2" name="Title 1"/>
-          <p:cNvSpPr>
-            <a:spLocks noGrp="1"/>
-          </p:cNvSpPr>
-          <p:nvPr>
-            <p:ph type="title"/>
-          </p:nvPr>
-        </p:nvSpPr>
-        <p:spPr/>
-        <p:txBody>
-          <a:bodyPr>
-            <a:normAutofit/>
-          </a:bodyPr>
-          <a:lstStyle/>
-          <a:p>
-            <a:r>
-              <a:rPr lang="en-NZ" sz="2800" dirty="0"/>
               <a:t>Addressing Relevant Implications</a:t>
             </a:r>
           </a:p>
@@ -11713,7 +11603,7 @@
 </p:sld>
 </file>
 
-<file path=ppt/slides/slide34.xml><?xml version="1.0" encoding="utf-8"?>
+<file path=ppt/slides/slide33.xml><?xml version="1.0" encoding="utf-8"?>
 <p:sld xmlns:a="http://schemas.openxmlformats.org/drawingml/2006/main" xmlns:r="http://schemas.openxmlformats.org/officeDocument/2006/relationships" xmlns:p="http://schemas.openxmlformats.org/presentationml/2006/main">
   <p:cSld>
     <p:spTree>
@@ -11758,12 +11648,12 @@
           <a:graphicData uri="http://schemas.openxmlformats.org/presentationml/2006/ole">
             <mc:AlternateContent xmlns:mc="http://schemas.openxmlformats.org/markup-compatibility/2006">
               <mc:Choice xmlns:v="urn:schemas-microsoft-com:vml" Requires="v">
-                <p:oleObj spid="_x0000_s1028" name="Document" r:id="rId3" imgW="9770766" imgH="4267777" progId="Word.Document.12">
+                <p:oleObj name="Document" r:id="rId2" imgW="9770766" imgH="4267777" progId="Word.Document.12">
                   <p:embed/>
                 </p:oleObj>
               </mc:Choice>
               <mc:Fallback>
-                <p:oleObj name="Document" r:id="rId3" imgW="9770766" imgH="4267777" progId="Word.Document.12">
+                <p:oleObj name="Document" r:id="rId2" imgW="9770766" imgH="4267777" progId="Word.Document.12">
                   <p:embed/>
                   <p:pic>
                     <p:nvPicPr>
@@ -11778,7 +11668,7 @@
                       <p:nvPr/>
                     </p:nvPicPr>
                     <p:blipFill>
-                      <a:blip r:embed="rId4"/>
+                      <a:blip r:embed="rId3"/>
                       <a:stretch>
                         <a:fillRect/>
                       </a:stretch>
@@ -11812,7 +11702,7 @@
 </p:sld>
 </file>
 
-<file path=ppt/slides/slide35.xml><?xml version="1.0" encoding="utf-8"?>
+<file path=ppt/slides/slide34.xml><?xml version="1.0" encoding="utf-8"?>
 <p:sld xmlns:a="http://schemas.openxmlformats.org/drawingml/2006/main" xmlns:r="http://schemas.openxmlformats.org/officeDocument/2006/relationships" xmlns:p="http://schemas.openxmlformats.org/presentationml/2006/main">
   <p:cSld>
     <p:spTree>
@@ -11857,12 +11747,12 @@
           <a:graphicData uri="http://schemas.openxmlformats.org/presentationml/2006/ole">
             <mc:AlternateContent xmlns:mc="http://schemas.openxmlformats.org/markup-compatibility/2006">
               <mc:Choice xmlns:v="urn:schemas-microsoft-com:vml" Requires="v">
-                <p:oleObj spid="_x0000_s2052" name="Document" r:id="rId3" imgW="9770766" imgH="6040475" progId="Word.Document.12">
+                <p:oleObj name="Document" r:id="rId2" imgW="9770766" imgH="6040475" progId="Word.Document.12">
                   <p:embed/>
                 </p:oleObj>
               </mc:Choice>
               <mc:Fallback>
-                <p:oleObj name="Document" r:id="rId3" imgW="9770766" imgH="6040475" progId="Word.Document.12">
+                <p:oleObj name="Document" r:id="rId2" imgW="9770766" imgH="6040475" progId="Word.Document.12">
                   <p:embed/>
                   <p:pic>
                     <p:nvPicPr>
@@ -11877,7 +11767,7 @@
                       <p:nvPr/>
                     </p:nvPicPr>
                     <p:blipFill>
-                      <a:blip r:embed="rId4"/>
+                      <a:blip r:embed="rId3"/>
                       <a:stretch>
                         <a:fillRect/>
                       </a:stretch>
@@ -11949,10 +11839,6 @@
               <a:rPr lang="en-NZ" sz="3100" dirty="0"/>
               <a:t>Describe the purpose and target audience of your website</a:t>
             </a:r>
-            <a:r>
-              <a:rPr lang="en-NZ" dirty="0"/>
-              <a:t/>
-            </a:r>
             <a:br>
               <a:rPr lang="en-NZ" dirty="0"/>
             </a:br>
@@ -12133,7 +12019,7 @@
         <p:spPr/>
         <p:txBody>
           <a:bodyPr vert="horz" lIns="0" tIns="45720" rIns="0" bIns="45720" rtlCol="0" anchor="t">
-            <a:normAutofit fontScale="92500" lnSpcReduction="10000"/>
+            <a:normAutofit lnSpcReduction="10000"/>
           </a:bodyPr>
           <a:lstStyle/>
           <a:p>
@@ -12149,7 +12035,7 @@
               <a:rPr lang="en-US" dirty="0">
                 <a:cs typeface="Calibri"/>
               </a:rPr>
-              <a:t>My client (speak22) has requested that the website</a:t>
+              <a:t>My client has requested that the website</a:t>
             </a:r>
           </a:p>
           <a:p>
@@ -12189,7 +12075,7 @@
               <a:rPr lang="en-US" dirty="0">
                 <a:cs typeface="Calibri"/>
               </a:rPr>
-              <a:t>5. That aesthetics and information insertion is not completed, because they want to do it themselves</a:t>
+              <a:t>5. Must be finished by August 10th</a:t>
             </a:r>
           </a:p>
           <a:p>
@@ -12197,15 +12083,7 @@
               <a:rPr lang="en-US" dirty="0">
                 <a:cs typeface="Calibri"/>
               </a:rPr>
-              <a:t>6. Must be finished by August</a:t>
-            </a:r>
-          </a:p>
-          <a:p>
-            <a:r>
-              <a:rPr lang="en-US" dirty="0">
-                <a:cs typeface="Calibri"/>
-              </a:rPr>
-              <a:t>7. Is easy to edit in future.</a:t>
+              <a:t>6. Is easy to edit in future.</a:t>
             </a:r>
           </a:p>
         </p:txBody>

--- a/AS91903_91906_Evidence_Template.pptx
+++ b/AS91903_91906_Evidence_Template.pptx
@@ -10934,6 +10934,17 @@
               <a:t>Users also noticed that the links for the info pages were in the navbar when they weren’t logged in, but it asked them to log in to access the page, so I removed the log in required part</a:t>
             </a:r>
           </a:p>
+          <a:p>
+            <a:r>
+              <a:rPr lang="en-US" dirty="0"/>
+              <a:t>Users noticed that the log in submit button says </a:t>
+            </a:r>
+            <a:r>
+              <a:rPr lang="en-US"/>
+              <a:t>create account</a:t>
+            </a:r>
+            <a:endParaRPr lang="en-US" dirty="0"/>
+          </a:p>
         </p:txBody>
       </p:sp>
     </p:spTree>

--- a/AS91903_91906_Evidence_Template.pptx
+++ b/AS91903_91906_Evidence_Template.pptx
@@ -371,7 +371,7 @@
           <a:p>
             <a:fld id="{57E58380-3550-4AA1-8DE5-F8A856B30F15}" type="datetimeFigureOut">
               <a:rPr lang="en-NZ" smtClean="0"/>
-              <a:t>3/08/25</a:t>
+              <a:t>4/08/2025</a:t>
             </a:fld>
             <a:endParaRPr lang="en-NZ"/>
           </a:p>
@@ -579,7 +579,7 @@
           <a:p>
             <a:fld id="{57E58380-3550-4AA1-8DE5-F8A856B30F15}" type="datetimeFigureOut">
               <a:rPr lang="en-NZ" smtClean="0"/>
-              <a:t>3/08/25</a:t>
+              <a:t>4/08/2025</a:t>
             </a:fld>
             <a:endParaRPr lang="en-NZ"/>
           </a:p>
@@ -835,7 +835,7 @@
           <a:p>
             <a:fld id="{57E58380-3550-4AA1-8DE5-F8A856B30F15}" type="datetimeFigureOut">
               <a:rPr lang="en-NZ" smtClean="0"/>
-              <a:t>3/08/25</a:t>
+              <a:t>4/08/2025</a:t>
             </a:fld>
             <a:endParaRPr lang="en-NZ"/>
           </a:p>
@@ -1009,7 +1009,7 @@
           <a:p>
             <a:fld id="{57E58380-3550-4AA1-8DE5-F8A856B30F15}" type="datetimeFigureOut">
               <a:rPr lang="en-NZ" smtClean="0"/>
-              <a:t>3/08/25</a:t>
+              <a:t>4/08/2025</a:t>
             </a:fld>
             <a:endParaRPr lang="en-NZ"/>
           </a:p>
@@ -1352,7 +1352,7 @@
           <a:p>
             <a:fld id="{57E58380-3550-4AA1-8DE5-F8A856B30F15}" type="datetimeFigureOut">
               <a:rPr lang="en-NZ" smtClean="0"/>
-              <a:t>3/08/25</a:t>
+              <a:t>4/08/2025</a:t>
             </a:fld>
             <a:endParaRPr lang="en-NZ"/>
           </a:p>
@@ -1627,7 +1627,7 @@
           <a:p>
             <a:fld id="{57E58380-3550-4AA1-8DE5-F8A856B30F15}" type="datetimeFigureOut">
               <a:rPr lang="en-NZ" smtClean="0"/>
-              <a:t>3/08/25</a:t>
+              <a:t>4/08/2025</a:t>
             </a:fld>
             <a:endParaRPr lang="en-NZ"/>
           </a:p>
@@ -2006,7 +2006,7 @@
           <a:p>
             <a:fld id="{57E58380-3550-4AA1-8DE5-F8A856B30F15}" type="datetimeFigureOut">
               <a:rPr lang="en-NZ" smtClean="0"/>
-              <a:t>3/08/25</a:t>
+              <a:t>4/08/2025</a:t>
             </a:fld>
             <a:endParaRPr lang="en-NZ"/>
           </a:p>
@@ -2124,7 +2124,7 @@
           <a:p>
             <a:fld id="{57E58380-3550-4AA1-8DE5-F8A856B30F15}" type="datetimeFigureOut">
               <a:rPr lang="en-NZ" smtClean="0"/>
-              <a:t>3/08/25</a:t>
+              <a:t>4/08/2025</a:t>
             </a:fld>
             <a:endParaRPr lang="en-NZ"/>
           </a:p>
@@ -2295,7 +2295,7 @@
           <a:p>
             <a:fld id="{57E58380-3550-4AA1-8DE5-F8A856B30F15}" type="datetimeFigureOut">
               <a:rPr lang="en-NZ" smtClean="0"/>
-              <a:t>3/08/25</a:t>
+              <a:t>4/08/2025</a:t>
             </a:fld>
             <a:endParaRPr lang="en-NZ"/>
           </a:p>
@@ -2649,7 +2649,7 @@
           <a:p>
             <a:fld id="{57E58380-3550-4AA1-8DE5-F8A856B30F15}" type="datetimeFigureOut">
               <a:rPr lang="en-NZ" smtClean="0"/>
-              <a:t>3/08/25</a:t>
+              <a:t>4/08/2025</a:t>
             </a:fld>
             <a:endParaRPr lang="en-NZ"/>
           </a:p>
@@ -3031,7 +3031,7 @@
           <a:p>
             <a:fld id="{57E58380-3550-4AA1-8DE5-F8A856B30F15}" type="datetimeFigureOut">
               <a:rPr lang="en-NZ" smtClean="0"/>
-              <a:t>3/08/25</a:t>
+              <a:t>4/08/2025</a:t>
             </a:fld>
             <a:endParaRPr lang="en-NZ"/>
           </a:p>
@@ -3318,7 +3318,7 @@
           <a:p>
             <a:fld id="{57E58380-3550-4AA1-8DE5-F8A856B30F15}" type="datetimeFigureOut">
               <a:rPr lang="en-NZ" smtClean="0"/>
-              <a:t>3/08/25</a:t>
+              <a:t>4/08/2025</a:t>
             </a:fld>
             <a:endParaRPr lang="en-NZ"/>
           </a:p>
@@ -10996,6 +10996,10 @@
               <a:rPr lang="en-NZ" sz="2800" dirty="0"/>
               <a:t>Describe the end user requirements</a:t>
             </a:r>
+            <a:r>
+              <a:rPr lang="en-NZ" dirty="0"/>
+              <a:t/>
+            </a:r>
             <a:br>
               <a:rPr lang="en-NZ" dirty="0"/>
             </a:br>
@@ -11507,6 +11511,12 @@
             <a:pPr marL="0" indent="0">
               <a:buNone/>
             </a:pPr>
+            <a:r>
+              <a:rPr lang="en-NZ" dirty="0" smtClean="0">
+                <a:hlinkClick r:id="rId3"/>
+              </a:rPr>
+              <a:t>Kingston-Smith/13DigitalAlternate</a:t>
+            </a:r>
             <a:endParaRPr lang="en-NZ" sz="2000" dirty="0"/>
           </a:p>
         </p:txBody>
@@ -11659,12 +11669,12 @@
           <a:graphicData uri="http://schemas.openxmlformats.org/presentationml/2006/ole">
             <mc:AlternateContent xmlns:mc="http://schemas.openxmlformats.org/markup-compatibility/2006">
               <mc:Choice xmlns:v="urn:schemas-microsoft-com:vml" Requires="v">
-                <p:oleObj name="Document" r:id="rId2" imgW="9770766" imgH="4267777" progId="Word.Document.12">
+                <p:oleObj spid="_x0000_s1028" name="Document" r:id="rId3" imgW="9770766" imgH="4267777" progId="Word.Document.12">
                   <p:embed/>
                 </p:oleObj>
               </mc:Choice>
               <mc:Fallback>
-                <p:oleObj name="Document" r:id="rId2" imgW="9770766" imgH="4267777" progId="Word.Document.12">
+                <p:oleObj name="Document" r:id="rId3" imgW="9770766" imgH="4267777" progId="Word.Document.12">
                   <p:embed/>
                   <p:pic>
                     <p:nvPicPr>
@@ -11679,7 +11689,7 @@
                       <p:nvPr/>
                     </p:nvPicPr>
                     <p:blipFill>
-                      <a:blip r:embed="rId3"/>
+                      <a:blip r:embed="rId4"/>
                       <a:stretch>
                         <a:fillRect/>
                       </a:stretch>
@@ -11758,12 +11768,12 @@
           <a:graphicData uri="http://schemas.openxmlformats.org/presentationml/2006/ole">
             <mc:AlternateContent xmlns:mc="http://schemas.openxmlformats.org/markup-compatibility/2006">
               <mc:Choice xmlns:v="urn:schemas-microsoft-com:vml" Requires="v">
-                <p:oleObj name="Document" r:id="rId2" imgW="9770766" imgH="6040475" progId="Word.Document.12">
+                <p:oleObj spid="_x0000_s2052" name="Document" r:id="rId3" imgW="9770766" imgH="6040475" progId="Word.Document.12">
                   <p:embed/>
                 </p:oleObj>
               </mc:Choice>
               <mc:Fallback>
-                <p:oleObj name="Document" r:id="rId2" imgW="9770766" imgH="6040475" progId="Word.Document.12">
+                <p:oleObj name="Document" r:id="rId3" imgW="9770766" imgH="6040475" progId="Word.Document.12">
                   <p:embed/>
                   <p:pic>
                     <p:nvPicPr>
@@ -11778,7 +11788,7 @@
                       <p:nvPr/>
                     </p:nvPicPr>
                     <p:blipFill>
-                      <a:blip r:embed="rId3"/>
+                      <a:blip r:embed="rId4"/>
                       <a:stretch>
                         <a:fillRect/>
                       </a:stretch>
@@ -11849,6 +11859,10 @@
             <a:r>
               <a:rPr lang="en-NZ" sz="3100" dirty="0"/>
               <a:t>Describe the purpose and target audience of your website</a:t>
+            </a:r>
+            <a:r>
+              <a:rPr lang="en-NZ" dirty="0"/>
+              <a:t/>
             </a:r>
             <a:br>
               <a:rPr lang="en-NZ" dirty="0"/>
